--- a/Slides.pptx
+++ b/Slides.pptx
@@ -123,6 +123,11 @@
             <a:srgbClr val="A4A3A4"/>
           </p15:clr>
         </p15:guide>
+        <p15:guide id="3" pos="3840">
+          <p15:clr>
+            <a:srgbClr val="A4A3A4"/>
+          </p15:clr>
+        </p15:guide>
       </p15:sldGuideLst>
     </p:ext>
   </p:extLst>
@@ -907,7 +912,7 @@
             <a:fld id="{87DE6118-2437-4B30-8E3C-4D2BE6020583}" type="datetimeFigureOut">
               <a:rPr lang="en-US" dirty="0"/>
               <a:pPr/>
-              <a:t>12/9/2020</a:t>
+              <a:t>12/10/2020</a:t>
             </a:fld>
             <a:endParaRPr lang="en-US" dirty="0"/>
           </a:p>
@@ -1233,7 +1238,7 @@
           <a:p>
             <a:fld id="{87DE6118-2437-4B30-8E3C-4D2BE6020583}" type="datetimeFigureOut">
               <a:rPr lang="en-US" dirty="0"/>
-              <a:t>12/9/2020</a:t>
+              <a:t>12/10/2020</a:t>
             </a:fld>
             <a:endParaRPr lang="en-US" dirty="0"/>
           </a:p>
@@ -1408,7 +1413,7 @@
           <a:p>
             <a:fld id="{87DE6118-2437-4B30-8E3C-4D2BE6020583}" type="datetimeFigureOut">
               <a:rPr lang="en-US" dirty="0"/>
-              <a:t>12/9/2020</a:t>
+              <a:t>12/10/2020</a:t>
             </a:fld>
             <a:endParaRPr lang="en-US" dirty="0"/>
           </a:p>
@@ -1573,7 +1578,7 @@
           <a:p>
             <a:fld id="{87DE6118-2437-4B30-8E3C-4D2BE6020583}" type="datetimeFigureOut">
               <a:rPr lang="en-US" dirty="0"/>
-              <a:t>12/9/2020</a:t>
+              <a:t>12/10/2020</a:t>
             </a:fld>
             <a:endParaRPr lang="en-US" dirty="0"/>
           </a:p>
@@ -1846,7 +1851,7 @@
             <a:fld id="{87DE6118-2437-4B30-8E3C-4D2BE6020583}" type="datetimeFigureOut">
               <a:rPr lang="en-US" dirty="0"/>
               <a:pPr/>
-              <a:t>12/9/2020</a:t>
+              <a:t>12/10/2020</a:t>
             </a:fld>
             <a:endParaRPr lang="en-US" dirty="0"/>
           </a:p>
@@ -2236,7 +2241,7 @@
           <a:p>
             <a:fld id="{87DE6118-2437-4B30-8E3C-4D2BE6020583}" type="datetimeFigureOut">
               <a:rPr lang="en-US" dirty="0"/>
-              <a:t>12/9/2020</a:t>
+              <a:t>12/10/2020</a:t>
             </a:fld>
             <a:endParaRPr lang="en-US" dirty="0"/>
           </a:p>
@@ -2708,7 +2713,7 @@
           <a:p>
             <a:fld id="{87DE6118-2437-4B30-8E3C-4D2BE6020583}" type="datetimeFigureOut">
               <a:rPr lang="en-US" dirty="0"/>
-              <a:t>12/9/2020</a:t>
+              <a:t>12/10/2020</a:t>
             </a:fld>
             <a:endParaRPr lang="en-US" dirty="0"/>
           </a:p>
@@ -2821,7 +2826,7 @@
           <a:p>
             <a:fld id="{87DE6118-2437-4B30-8E3C-4D2BE6020583}" type="datetimeFigureOut">
               <a:rPr lang="en-US" dirty="0"/>
-              <a:t>12/9/2020</a:t>
+              <a:t>12/10/2020</a:t>
             </a:fld>
             <a:endParaRPr lang="en-US" dirty="0"/>
           </a:p>
@@ -2911,7 +2916,7 @@
           <a:p>
             <a:fld id="{87DE6118-2437-4B30-8E3C-4D2BE6020583}" type="datetimeFigureOut">
               <a:rPr lang="en-US" dirty="0"/>
-              <a:t>12/9/2020</a:t>
+              <a:t>12/10/2020</a:t>
             </a:fld>
             <a:endParaRPr lang="en-US" dirty="0"/>
           </a:p>
@@ -3253,7 +3258,7 @@
             <a:fld id="{87DE6118-2437-4B30-8E3C-4D2BE6020583}" type="datetimeFigureOut">
               <a:rPr lang="en-US" dirty="0"/>
               <a:pPr/>
-              <a:t>12/9/2020</a:t>
+              <a:t>12/10/2020</a:t>
             </a:fld>
             <a:endParaRPr lang="en-US" dirty="0"/>
           </a:p>
@@ -3638,7 +3643,7 @@
             <a:fld id="{87DE6118-2437-4B30-8E3C-4D2BE6020583}" type="datetimeFigureOut">
               <a:rPr lang="en-US" dirty="0"/>
               <a:pPr/>
-              <a:t>12/9/2020</a:t>
+              <a:t>12/10/2020</a:t>
             </a:fld>
             <a:endParaRPr lang="en-US" dirty="0"/>
           </a:p>
@@ -3913,7 +3918,7 @@
             <a:fld id="{87DE6118-2437-4B30-8E3C-4D2BE6020583}" type="datetimeFigureOut">
               <a:rPr lang="en-US" dirty="0"/>
               <a:pPr/>
-              <a:t>12/9/2020</a:t>
+              <a:t>12/10/2020</a:t>
             </a:fld>
             <a:endParaRPr lang="en-US" dirty="0"/>
           </a:p>
@@ -5169,12 +5174,23 @@
             <a:endParaRPr lang="en-US" dirty="0"/>
           </a:p>
           <a:p>
-            <a:pPr marL="0" indent="0">
-              <a:buNone/>
+            <a:pPr>
+              <a:buFont typeface="Wingdings" panose="05000000000000000000" pitchFamily="2" charset="2"/>
+              <a:buChar char="à"/>
             </a:pPr>
             <a:r>
               <a:rPr lang="en-US" dirty="0"/>
-              <a:t>Percentage of surveyed party members who believe that deputies should vote with their party (not according to their beliefs)</a:t>
+              <a:t>Percentage of surveyed party members who believe that deputies should vote with their party (not according to their beliefs) for each party-year</a:t>
+            </a:r>
+          </a:p>
+          <a:p>
+            <a:pPr>
+              <a:buFont typeface="Wingdings" panose="05000000000000000000" pitchFamily="2" charset="2"/>
+              <a:buChar char="à"/>
+            </a:pPr>
+            <a:r>
+              <a:rPr lang="en-US" dirty="0"/>
+              <a:t>Merge two data frames</a:t>
             </a:r>
           </a:p>
         </p:txBody>
